--- a/卒業論文/2013/赤松佳紀/ポスター.pptx
+++ b/卒業論文/2013/赤松佳紀/ポスター.pptx
@@ -485,11 +485,11 @@
         </c:dLbls>
         <c:marker val="1"/>
         <c:smooth val="0"/>
-        <c:axId val="87696512"/>
-        <c:axId val="87698048"/>
+        <c:axId val="81983360"/>
+        <c:axId val="81984896"/>
       </c:lineChart>
       <c:dateAx>
-        <c:axId val="87696512"/>
+        <c:axId val="81983360"/>
         <c:scaling>
           <c:orientation val="minMax"/>
         </c:scaling>
@@ -499,14 +499,14 @@
         <c:majorTickMark val="out"/>
         <c:minorTickMark val="none"/>
         <c:tickLblPos val="nextTo"/>
-        <c:crossAx val="87698048"/>
+        <c:crossAx val="81984896"/>
         <c:crosses val="autoZero"/>
         <c:auto val="1"/>
         <c:lblOffset val="100"/>
         <c:baseTimeUnit val="months"/>
       </c:dateAx>
       <c:valAx>
-        <c:axId val="87698048"/>
+        <c:axId val="81984896"/>
         <c:scaling>
           <c:orientation val="minMax"/>
         </c:scaling>
@@ -517,7 +517,7 @@
         <c:majorTickMark val="out"/>
         <c:minorTickMark val="none"/>
         <c:tickLblPos val="nextTo"/>
-        <c:crossAx val="87696512"/>
+        <c:crossAx val="81983360"/>
         <c:crosses val="autoZero"/>
         <c:crossBetween val="between"/>
       </c:valAx>
@@ -952,11 +952,11 @@
         </c:dLbls>
         <c:marker val="1"/>
         <c:smooth val="0"/>
-        <c:axId val="87575168"/>
-        <c:axId val="87576960"/>
+        <c:axId val="82017664"/>
+        <c:axId val="83039360"/>
       </c:lineChart>
       <c:dateAx>
-        <c:axId val="87575168"/>
+        <c:axId val="82017664"/>
         <c:scaling>
           <c:orientation val="minMax"/>
         </c:scaling>
@@ -966,14 +966,14 @@
         <c:majorTickMark val="out"/>
         <c:minorTickMark val="none"/>
         <c:tickLblPos val="nextTo"/>
-        <c:crossAx val="87576960"/>
+        <c:crossAx val="83039360"/>
         <c:crosses val="autoZero"/>
         <c:auto val="1"/>
         <c:lblOffset val="100"/>
         <c:baseTimeUnit val="months"/>
       </c:dateAx>
       <c:valAx>
-        <c:axId val="87576960"/>
+        <c:axId val="83039360"/>
         <c:scaling>
           <c:orientation val="minMax"/>
         </c:scaling>
@@ -984,7 +984,7 @@
         <c:majorTickMark val="out"/>
         <c:minorTickMark val="none"/>
         <c:tickLblPos val="nextTo"/>
-        <c:crossAx val="87575168"/>
+        <c:crossAx val="82017664"/>
         <c:crosses val="autoZero"/>
         <c:crossBetween val="between"/>
       </c:valAx>
@@ -1194,7 +1194,7 @@
           <a:p>
             <a:fld id="{BEEC5002-5840-4B75-B448-FAB87458992B}" type="datetimeFigureOut">
               <a:rPr kumimoji="1" lang="ja-JP" altLang="en-US" smtClean="0"/>
-              <a:t>2014/10/2</a:t>
+              <a:t>2014/10/14</a:t>
             </a:fld>
             <a:endParaRPr kumimoji="1" lang="ja-JP" altLang="en-US"/>
           </a:p>
@@ -1396,7 +1396,7 @@
           <a:p>
             <a:fld id="{BEEC5002-5840-4B75-B448-FAB87458992B}" type="datetimeFigureOut">
               <a:rPr kumimoji="1" lang="ja-JP" altLang="en-US" smtClean="0"/>
-              <a:t>2014/10/2</a:t>
+              <a:t>2014/10/14</a:t>
             </a:fld>
             <a:endParaRPr kumimoji="1" lang="ja-JP" altLang="en-US"/>
           </a:p>
@@ -1608,7 +1608,7 @@
           <a:p>
             <a:fld id="{BEEC5002-5840-4B75-B448-FAB87458992B}" type="datetimeFigureOut">
               <a:rPr kumimoji="1" lang="ja-JP" altLang="en-US" smtClean="0"/>
-              <a:t>2014/10/2</a:t>
+              <a:t>2014/10/14</a:t>
             </a:fld>
             <a:endParaRPr kumimoji="1" lang="ja-JP" altLang="en-US"/>
           </a:p>
@@ -1810,7 +1810,7 @@
           <a:p>
             <a:fld id="{BEEC5002-5840-4B75-B448-FAB87458992B}" type="datetimeFigureOut">
               <a:rPr kumimoji="1" lang="ja-JP" altLang="en-US" smtClean="0"/>
-              <a:t>2014/10/2</a:t>
+              <a:t>2014/10/14</a:t>
             </a:fld>
             <a:endParaRPr kumimoji="1" lang="ja-JP" altLang="en-US"/>
           </a:p>
@@ -2056,7 +2056,7 @@
           <a:p>
             <a:fld id="{BEEC5002-5840-4B75-B448-FAB87458992B}" type="datetimeFigureOut">
               <a:rPr kumimoji="1" lang="ja-JP" altLang="en-US" smtClean="0"/>
-              <a:t>2014/10/2</a:t>
+              <a:t>2014/10/14</a:t>
             </a:fld>
             <a:endParaRPr kumimoji="1" lang="ja-JP" altLang="en-US"/>
           </a:p>
@@ -2408,7 +2408,7 @@
           <a:p>
             <a:fld id="{BEEC5002-5840-4B75-B448-FAB87458992B}" type="datetimeFigureOut">
               <a:rPr kumimoji="1" lang="ja-JP" altLang="en-US" smtClean="0"/>
-              <a:t>2014/10/2</a:t>
+              <a:t>2014/10/14</a:t>
             </a:fld>
             <a:endParaRPr kumimoji="1" lang="ja-JP" altLang="en-US"/>
           </a:p>
@@ -2894,7 +2894,7 @@
           <a:p>
             <a:fld id="{BEEC5002-5840-4B75-B448-FAB87458992B}" type="datetimeFigureOut">
               <a:rPr kumimoji="1" lang="ja-JP" altLang="en-US" smtClean="0"/>
-              <a:t>2014/10/2</a:t>
+              <a:t>2014/10/14</a:t>
             </a:fld>
             <a:endParaRPr kumimoji="1" lang="ja-JP" altLang="en-US"/>
           </a:p>
@@ -3012,7 +3012,7 @@
           <a:p>
             <a:fld id="{BEEC5002-5840-4B75-B448-FAB87458992B}" type="datetimeFigureOut">
               <a:rPr kumimoji="1" lang="ja-JP" altLang="en-US" smtClean="0"/>
-              <a:t>2014/10/2</a:t>
+              <a:t>2014/10/14</a:t>
             </a:fld>
             <a:endParaRPr kumimoji="1" lang="ja-JP" altLang="en-US"/>
           </a:p>
@@ -3107,7 +3107,7 @@
           <a:p>
             <a:fld id="{BEEC5002-5840-4B75-B448-FAB87458992B}" type="datetimeFigureOut">
               <a:rPr kumimoji="1" lang="ja-JP" altLang="en-US" smtClean="0"/>
-              <a:t>2014/10/2</a:t>
+              <a:t>2014/10/14</a:t>
             </a:fld>
             <a:endParaRPr kumimoji="1" lang="ja-JP" altLang="en-US"/>
           </a:p>
@@ -3416,7 +3416,7 @@
           <a:p>
             <a:fld id="{BEEC5002-5840-4B75-B448-FAB87458992B}" type="datetimeFigureOut">
               <a:rPr kumimoji="1" lang="ja-JP" altLang="en-US" smtClean="0"/>
-              <a:t>2014/10/2</a:t>
+              <a:t>2014/10/14</a:t>
             </a:fld>
             <a:endParaRPr kumimoji="1" lang="ja-JP" altLang="en-US"/>
           </a:p>
@@ -3669,7 +3669,7 @@
           <a:p>
             <a:fld id="{BEEC5002-5840-4B75-B448-FAB87458992B}" type="datetimeFigureOut">
               <a:rPr kumimoji="1" lang="ja-JP" altLang="en-US" smtClean="0"/>
-              <a:t>2014/10/2</a:t>
+              <a:t>2014/10/14</a:t>
             </a:fld>
             <a:endParaRPr kumimoji="1" lang="ja-JP" altLang="en-US"/>
           </a:p>
@@ -3914,7 +3914,7 @@
           <a:p>
             <a:fld id="{BEEC5002-5840-4B75-B448-FAB87458992B}" type="datetimeFigureOut">
               <a:rPr kumimoji="1" lang="ja-JP" altLang="en-US" smtClean="0"/>
-              <a:t>2014/10/2</a:t>
+              <a:t>2014/10/14</a:t>
             </a:fld>
             <a:endParaRPr kumimoji="1" lang="ja-JP" altLang="en-US"/>
           </a:p>
@@ -4610,7 +4610,7 @@
         <p:spPr>
           <a:xfrm>
             <a:off x="900312" y="7508879"/>
-            <a:ext cx="6714339" cy="646331"/>
+            <a:ext cx="10889520" cy="646331"/>
           </a:xfrm>
           <a:prstGeom prst="rect">
             <a:avLst/>
@@ -4624,12 +4624,12 @@
           <a:lstStyle/>
           <a:p>
             <a:r>
-              <a:rPr kumimoji="1" lang="en-US" altLang="ja-JP" sz="3600" dirty="0" smtClean="0"/>
-              <a:t>Minecraft</a:t>
+              <a:rPr lang="ja-JP" altLang="en-US" sz="3600" dirty="0" smtClean="0"/>
+              <a:t>ゲームビジネスにおける具体的な戦略を自ら考えたい</a:t>
             </a:r>
             <a:r>
               <a:rPr kumimoji="1" lang="ja-JP" altLang="en-US" sz="3600" dirty="0" smtClean="0"/>
-              <a:t>について調べてみたい。</a:t>
+              <a:t>。</a:t>
             </a:r>
             <a:endParaRPr kumimoji="1" lang="ja-JP" altLang="en-US" sz="3600" dirty="0"/>
           </a:p>
@@ -4687,7 +4687,7 @@
         <p:spPr>
           <a:xfrm>
             <a:off x="4675492" y="8376369"/>
-            <a:ext cx="10008509" cy="646331"/>
+            <a:ext cx="14444019" cy="646331"/>
           </a:xfrm>
           <a:prstGeom prst="rect">
             <a:avLst/>
@@ -4701,7 +4701,11 @@
           <a:lstStyle/>
           <a:p>
             <a:r>
-              <a:rPr kumimoji="1" lang="en-US" altLang="ja-JP" sz="3600" dirty="0" smtClean="0"/>
+              <a:rPr kumimoji="1" lang="ja-JP" altLang="en-US" sz="3600" smtClean="0"/>
+              <a:t>商業用ゲームの中でも</a:t>
+            </a:r>
+            <a:r>
+              <a:rPr kumimoji="1" lang="en-US" altLang="ja-JP" sz="3600" smtClean="0"/>
               <a:t>Minecraft</a:t>
             </a:r>
             <a:r>

--- a/卒業論文/2013/赤松佳紀/ポスター.pptx
+++ b/卒業論文/2013/赤松佳紀/ポスター.pptx
@@ -485,11 +485,11 @@
         </c:dLbls>
         <c:marker val="1"/>
         <c:smooth val="0"/>
-        <c:axId val="114737152"/>
-        <c:axId val="114739456"/>
+        <c:axId val="91742976"/>
+        <c:axId val="91744512"/>
       </c:lineChart>
       <c:dateAx>
-        <c:axId val="114737152"/>
+        <c:axId val="91742976"/>
         <c:scaling>
           <c:orientation val="minMax"/>
         </c:scaling>
@@ -499,14 +499,14 @@
         <c:majorTickMark val="out"/>
         <c:minorTickMark val="none"/>
         <c:tickLblPos val="nextTo"/>
-        <c:crossAx val="114739456"/>
+        <c:crossAx val="91744512"/>
         <c:crosses val="autoZero"/>
         <c:auto val="1"/>
         <c:lblOffset val="100"/>
         <c:baseTimeUnit val="months"/>
       </c:dateAx>
       <c:valAx>
-        <c:axId val="114739456"/>
+        <c:axId val="91744512"/>
         <c:scaling>
           <c:orientation val="minMax"/>
         </c:scaling>
@@ -517,7 +517,7 @@
         <c:majorTickMark val="out"/>
         <c:minorTickMark val="none"/>
         <c:tickLblPos val="nextTo"/>
-        <c:crossAx val="114737152"/>
+        <c:crossAx val="91742976"/>
         <c:crosses val="autoZero"/>
         <c:crossBetween val="between"/>
       </c:valAx>
@@ -565,8 +565,8 @@
         <c:manualLayout>
           <c:xMode val="edge"/>
           <c:yMode val="edge"/>
-          <c:x val="0.2644584424068302"/>
-          <c:y val="1.2392644778599481E-2"/>
+          <c:x val="0.14704015941320772"/>
+          <c:y val="4.3757791910615934E-3"/>
         </c:manualLayout>
       </c:layout>
       <c:overlay val="0"/>
@@ -952,11 +952,11 @@
         </c:dLbls>
         <c:marker val="1"/>
         <c:smooth val="0"/>
-        <c:axId val="37580160"/>
-        <c:axId val="37880960"/>
+        <c:axId val="94308608"/>
+        <c:axId val="94314496"/>
       </c:lineChart>
       <c:dateAx>
-        <c:axId val="37580160"/>
+        <c:axId val="94308608"/>
         <c:scaling>
           <c:orientation val="minMax"/>
         </c:scaling>
@@ -966,14 +966,14 @@
         <c:majorTickMark val="out"/>
         <c:minorTickMark val="none"/>
         <c:tickLblPos val="nextTo"/>
-        <c:crossAx val="37880960"/>
+        <c:crossAx val="94314496"/>
         <c:crosses val="autoZero"/>
         <c:auto val="1"/>
         <c:lblOffset val="100"/>
         <c:baseTimeUnit val="months"/>
       </c:dateAx>
       <c:valAx>
-        <c:axId val="37880960"/>
+        <c:axId val="94314496"/>
         <c:scaling>
           <c:orientation val="minMax"/>
         </c:scaling>
@@ -984,7 +984,7 @@
         <c:majorTickMark val="out"/>
         <c:minorTickMark val="none"/>
         <c:tickLblPos val="nextTo"/>
-        <c:crossAx val="37580160"/>
+        <c:crossAx val="94308608"/>
         <c:crosses val="autoZero"/>
         <c:crossBetween val="between"/>
       </c:valAx>
@@ -2825,7 +2825,7 @@
           <a:p>
             <a:fld id="{BEEC5002-5840-4B75-B448-FAB87458992B}" type="datetimeFigureOut">
               <a:rPr kumimoji="1" lang="ja-JP" altLang="en-US" smtClean="0"/>
-              <a:t>2014/10/14</a:t>
+              <a:t>2014/10/16</a:t>
             </a:fld>
             <a:endParaRPr kumimoji="1" lang="ja-JP" altLang="en-US"/>
           </a:p>
@@ -3038,7 +3038,7 @@
           <a:p>
             <a:fld id="{BEEC5002-5840-4B75-B448-FAB87458992B}" type="datetimeFigureOut">
               <a:rPr kumimoji="1" lang="ja-JP" altLang="en-US" smtClean="0"/>
-              <a:t>2014/10/14</a:t>
+              <a:t>2014/10/16</a:t>
             </a:fld>
             <a:endParaRPr kumimoji="1" lang="ja-JP" altLang="en-US"/>
           </a:p>
@@ -3189,7 +3189,7 @@
           <a:p>
             <a:fld id="{BEEC5002-5840-4B75-B448-FAB87458992B}" type="datetimeFigureOut">
               <a:rPr kumimoji="1" lang="ja-JP" altLang="en-US" smtClean="0"/>
-              <a:t>2014/10/14</a:t>
+              <a:t>2014/10/16</a:t>
             </a:fld>
             <a:endParaRPr kumimoji="1" lang="ja-JP" altLang="en-US"/>
           </a:p>
@@ -5079,7 +5079,7 @@
           <a:p>
             <a:fld id="{BEEC5002-5840-4B75-B448-FAB87458992B}" type="datetimeFigureOut">
               <a:rPr kumimoji="1" lang="ja-JP" altLang="en-US" smtClean="0"/>
-              <a:t>2014/10/14</a:t>
+              <a:t>2014/10/16</a:t>
             </a:fld>
             <a:endParaRPr kumimoji="1" lang="ja-JP" altLang="en-US"/>
           </a:p>
@@ -6949,7 +6949,7 @@
           <a:p>
             <a:fld id="{BEEC5002-5840-4B75-B448-FAB87458992B}" type="datetimeFigureOut">
               <a:rPr kumimoji="1" lang="ja-JP" altLang="en-US" smtClean="0"/>
-              <a:t>2014/10/14</a:t>
+              <a:t>2014/10/16</a:t>
             </a:fld>
             <a:endParaRPr kumimoji="1" lang="ja-JP" altLang="en-US"/>
           </a:p>
@@ -7062,7 +7062,7 @@
           <a:p>
             <a:fld id="{BEEC5002-5840-4B75-B448-FAB87458992B}" type="datetimeFigureOut">
               <a:rPr kumimoji="1" lang="ja-JP" altLang="en-US" smtClean="0"/>
-              <a:t>2014/10/14</a:t>
+              <a:t>2014/10/16</a:t>
             </a:fld>
             <a:endParaRPr kumimoji="1" lang="ja-JP" altLang="en-US"/>
           </a:p>
@@ -7731,7 +7731,7 @@
           <a:p>
             <a:fld id="{BEEC5002-5840-4B75-B448-FAB87458992B}" type="datetimeFigureOut">
               <a:rPr kumimoji="1" lang="ja-JP" altLang="en-US" smtClean="0"/>
-              <a:t>2014/10/14</a:t>
+              <a:t>2014/10/16</a:t>
             </a:fld>
             <a:endParaRPr kumimoji="1" lang="ja-JP" altLang="en-US"/>
           </a:p>
@@ -7844,7 +7844,7 @@
           <a:p>
             <a:fld id="{BEEC5002-5840-4B75-B448-FAB87458992B}" type="datetimeFigureOut">
               <a:rPr kumimoji="1" lang="ja-JP" altLang="en-US" smtClean="0"/>
-              <a:t>2014/10/14</a:t>
+              <a:t>2014/10/16</a:t>
             </a:fld>
             <a:endParaRPr kumimoji="1" lang="ja-JP" altLang="en-US"/>
           </a:p>
@@ -9555,7 +9555,7 @@
           <a:p>
             <a:fld id="{BEEC5002-5840-4B75-B448-FAB87458992B}" type="datetimeFigureOut">
               <a:rPr kumimoji="1" lang="ja-JP" altLang="en-US" smtClean="0"/>
-              <a:t>2014/10/14</a:t>
+              <a:t>2014/10/16</a:t>
             </a:fld>
             <a:endParaRPr kumimoji="1" lang="ja-JP" altLang="en-US"/>
           </a:p>
@@ -9706,7 +9706,7 @@
           <a:p>
             <a:fld id="{BEEC5002-5840-4B75-B448-FAB87458992B}" type="datetimeFigureOut">
               <a:rPr kumimoji="1" lang="ja-JP" altLang="en-US" smtClean="0"/>
-              <a:t>2014/10/14</a:t>
+              <a:t>2014/10/16</a:t>
             </a:fld>
             <a:endParaRPr kumimoji="1" lang="ja-JP" altLang="en-US"/>
           </a:p>
@@ -13353,7 +13353,7 @@
           <a:p>
             <a:fld id="{BEEC5002-5840-4B75-B448-FAB87458992B}" type="datetimeFigureOut">
               <a:rPr kumimoji="1" lang="ja-JP" altLang="en-US" smtClean="0"/>
-              <a:t>2014/10/14</a:t>
+              <a:t>2014/10/16</a:t>
             </a:fld>
             <a:endParaRPr kumimoji="1" lang="ja-JP" altLang="en-US"/>
           </a:p>
@@ -15212,7 +15212,7 @@
           <a:p>
             <a:fld id="{BEEC5002-5840-4B75-B448-FAB87458992B}" type="datetimeFigureOut">
               <a:rPr kumimoji="1" lang="ja-JP" altLang="en-US" smtClean="0"/>
-              <a:t>2014/10/14</a:t>
+              <a:t>2014/10/16</a:t>
             </a:fld>
             <a:endParaRPr kumimoji="1" lang="ja-JP" altLang="en-US"/>
           </a:p>
@@ -15769,7 +15769,7 @@
         <p:spPr>
           <a:xfrm>
             <a:off x="1885361" y="14296205"/>
-            <a:ext cx="11901666" cy="646330"/>
+            <a:ext cx="15168024" cy="646330"/>
           </a:xfrm>
           <a:prstGeom prst="rect">
             <a:avLst/>
@@ -15920,7 +15920,6 @@
               <a:rPr lang="ja-JP" altLang="en-US" sz="3600" dirty="0"/>
               <a:t>ゲームビジネスにおける戦略を考える。</a:t>
             </a:r>
-            <a:endParaRPr lang="ja-JP" altLang="en-US" sz="3600" dirty="0"/>
           </a:p>
         </p:txBody>
       </p:sp>
@@ -16008,7 +16007,6 @@
               <a:rPr lang="ja-JP" altLang="en-US" sz="3600" dirty="0"/>
               <a:t>にあるのではないか？</a:t>
             </a:r>
-            <a:endParaRPr lang="ja-JP" altLang="en-US" sz="3600" dirty="0"/>
           </a:p>
         </p:txBody>
       </p:sp>
@@ -16089,8 +16087,8 @@
         </p:nvSpPr>
         <p:spPr>
           <a:xfrm>
-            <a:off x="2014384" y="14316594"/>
-            <a:ext cx="11703807" cy="646309"/>
+            <a:off x="1945401" y="14318300"/>
+            <a:ext cx="14964315" cy="646309"/>
           </a:xfrm>
           <a:prstGeom prst="rect">
             <a:avLst/>
@@ -16121,7 +16119,11 @@
             </a:r>
             <a:r>
               <a:rPr lang="ja-JP" altLang="en-US" sz="3600" dirty="0" smtClean="0"/>
-              <a:t>を獲得するという戦略」</a:t>
+              <a:t>を獲得するという</a:t>
+            </a:r>
+            <a:r>
+              <a:rPr lang="ja-JP" altLang="en-US" sz="3600" dirty="0" smtClean="0"/>
+              <a:t>戦略は成功している。」</a:t>
             </a:r>
             <a:endParaRPr lang="ja-JP" altLang="en-US" sz="3600" dirty="0"/>
           </a:p>
@@ -16153,7 +16155,6 @@
               <a:rPr lang="ja-JP" altLang="en-US" sz="4800" dirty="0"/>
               <a:t>仮説</a:t>
             </a:r>
-            <a:endParaRPr lang="ja-JP" altLang="en-US" sz="4800" dirty="0"/>
           </a:p>
         </p:txBody>
       </p:sp>
@@ -16165,7 +16166,7 @@
         </p:nvSpPr>
         <p:spPr>
           <a:xfrm>
-            <a:off x="14005768" y="14224260"/>
+            <a:off x="17053385" y="14296205"/>
             <a:ext cx="2031287" cy="830975"/>
           </a:xfrm>
           <a:prstGeom prst="rect">
@@ -16183,7 +16184,6 @@
               <a:rPr lang="ja-JP" altLang="en-US" sz="4800" dirty="0"/>
               <a:t>の検証</a:t>
             </a:r>
-            <a:endParaRPr lang="ja-JP" altLang="en-US" sz="4800" dirty="0"/>
           </a:p>
         </p:txBody>
       </p:sp>
@@ -16333,17 +16333,12 @@
             </a:pPr>
             <a:r>
               <a:rPr lang="en-US" altLang="ja-JP" sz="3600" dirty="0"/>
-              <a:t>3</a:t>
-            </a:r>
-            <a:r>
-              <a:rPr lang="en-US" altLang="ja-JP" sz="3600" dirty="0"/>
-              <a:t>.</a:t>
+              <a:t>3.</a:t>
             </a:r>
             <a:r>
               <a:rPr lang="ja-JP" altLang="en-US" sz="3600" dirty="0"/>
               <a:t>のグラフからどのような影響があるのか考察する。</a:t>
             </a:r>
-            <a:endParaRPr lang="ja-JP" altLang="en-US" sz="3600" dirty="0"/>
           </a:p>
         </p:txBody>
       </p:sp>
@@ -16449,7 +16444,7 @@
           <p:nvPr>
             <p:extLst>
               <p:ext uri="{D42A27DB-BD31-4B8C-83A1-F6EECF244321}">
-                <p14:modId xmlns:p14="http://schemas.microsoft.com/office/powerpoint/2010/main" val="886347899"/>
+                <p14:modId xmlns:p14="http://schemas.microsoft.com/office/powerpoint/2010/main" val="1416825094"/>
               </p:ext>
             </p:extLst>
           </p:nvPr>
@@ -16464,55 +16459,6 @@
           </a:graphicData>
         </a:graphic>
       </p:graphicFrame>
-      <p:sp>
-        <p:nvSpPr>
-          <p:cNvPr id="25" name="テキスト ボックス 24"/>
-          <p:cNvSpPr txBox="1"/>
-          <p:nvPr/>
-        </p:nvSpPr>
-        <p:spPr>
-          <a:xfrm>
-            <a:off x="13280161" y="21271725"/>
-            <a:ext cx="7378905" cy="1200306"/>
-          </a:xfrm>
-          <a:prstGeom prst="rect">
-            <a:avLst/>
-          </a:prstGeom>
-          <a:noFill/>
-        </p:spPr>
-        <p:txBody>
-          <a:bodyPr wrap="none" lIns="91421" tIns="45709" rIns="91421" bIns="45709" rtlCol="0">
-            <a:spAutoFit/>
-          </a:bodyPr>
-          <a:lstStyle/>
-          <a:p>
-            <a:r>
-              <a:rPr lang="ja-JP" altLang="en-US" sz="3600" dirty="0"/>
-              <a:t>このように</a:t>
-            </a:r>
-            <a:r>
-              <a:rPr lang="en-US" altLang="ja-JP" sz="3600" dirty="0"/>
-              <a:t>2</a:t>
-            </a:r>
-            <a:r>
-              <a:rPr lang="ja-JP" altLang="en-US" sz="3600" dirty="0"/>
-              <a:t>種類のグラフを作成した。</a:t>
-            </a:r>
-            <a:endParaRPr lang="en-US" altLang="ja-JP" sz="3600" dirty="0"/>
-          </a:p>
-          <a:p>
-            <a:r>
-              <a:rPr lang="ja-JP" altLang="en-US" sz="3600" dirty="0"/>
-              <a:t>これ</a:t>
-            </a:r>
-            <a:r>
-              <a:rPr lang="ja-JP" altLang="en-US" sz="3600" dirty="0"/>
-              <a:t>を元に考察していく。</a:t>
-            </a:r>
-            <a:endParaRPr lang="ja-JP" altLang="en-US" sz="3600" dirty="0"/>
-          </a:p>
-        </p:txBody>
-      </p:sp>
       <p:sp>
         <p:nvSpPr>
           <p:cNvPr id="26" name="対角する 2 つの角を切り取った四角形 25"/>
@@ -17379,6 +17325,139 @@
               <a:t>を使ったゲームビジネス戦略の仮説を立てる。</a:t>
             </a:r>
             <a:endParaRPr kumimoji="1" lang="ja-JP" altLang="en-US" dirty="0"/>
+          </a:p>
+        </p:txBody>
+      </p:sp>
+      <p:sp>
+        <p:nvSpPr>
+          <p:cNvPr id="4" name="テキスト ボックス 3"/>
+          <p:cNvSpPr txBox="1"/>
+          <p:nvPr/>
+        </p:nvSpPr>
+        <p:spPr>
+          <a:xfrm>
+            <a:off x="12853639" y="21188659"/>
+            <a:ext cx="6082114" cy="400110"/>
+          </a:xfrm>
+          <a:prstGeom prst="rect">
+            <a:avLst/>
+          </a:prstGeom>
+          <a:noFill/>
+        </p:spPr>
+        <p:txBody>
+          <a:bodyPr wrap="none" rtlCol="0">
+            <a:spAutoFit/>
+          </a:bodyPr>
+          <a:lstStyle/>
+          <a:p>
+            <a:r>
+              <a:rPr kumimoji="1" lang="ja-JP" altLang="en-US" sz="2000" dirty="0" smtClean="0"/>
+              <a:t>左グラフ・・・</a:t>
+            </a:r>
+            <a:r>
+              <a:rPr kumimoji="1" lang="en-US" altLang="ja-JP" sz="2000" dirty="0" smtClean="0"/>
+              <a:t>Minecraft</a:t>
+            </a:r>
+            <a:r>
+              <a:rPr lang="ja-JP" altLang="en-US" sz="2000" dirty="0" smtClean="0"/>
+              <a:t>が販売されてからこれまでの売上</a:t>
+            </a:r>
+            <a:endParaRPr kumimoji="1" lang="ja-JP" altLang="en-US" sz="2000" dirty="0"/>
+          </a:p>
+        </p:txBody>
+      </p:sp>
+      <p:sp>
+        <p:nvSpPr>
+          <p:cNvPr id="10" name="テキスト ボックス 9"/>
+          <p:cNvSpPr txBox="1"/>
+          <p:nvPr/>
+        </p:nvSpPr>
+        <p:spPr>
+          <a:xfrm>
+            <a:off x="12832590" y="21770458"/>
+            <a:ext cx="6748963" cy="707886"/>
+          </a:xfrm>
+          <a:prstGeom prst="rect">
+            <a:avLst/>
+          </a:prstGeom>
+          <a:noFill/>
+        </p:spPr>
+        <p:txBody>
+          <a:bodyPr wrap="none" rtlCol="0">
+            <a:spAutoFit/>
+          </a:bodyPr>
+          <a:lstStyle/>
+          <a:p>
+            <a:r>
+              <a:rPr kumimoji="1" lang="ja-JP" altLang="en-US" sz="2000" dirty="0" smtClean="0"/>
+              <a:t>右グラフ・・・</a:t>
+            </a:r>
+            <a:r>
+              <a:rPr kumimoji="1" lang="en-US" altLang="ja-JP" sz="2000" dirty="0" smtClean="0"/>
+              <a:t>Minecraft</a:t>
+            </a:r>
+            <a:r>
+              <a:rPr kumimoji="1" lang="ja-JP" altLang="en-US" sz="2000" dirty="0" smtClean="0"/>
+              <a:t>が販売されてからこれまでに開始された</a:t>
+            </a:r>
+            <a:endParaRPr kumimoji="1" lang="en-US" altLang="ja-JP" sz="2000" dirty="0" smtClean="0"/>
+          </a:p>
+          <a:p>
+            <a:r>
+              <a:rPr lang="ja-JP" altLang="en-US" sz="2000" dirty="0"/>
+              <a:t>　</a:t>
+            </a:r>
+            <a:r>
+              <a:rPr lang="ja-JP" altLang="en-US" sz="2000" dirty="0" smtClean="0"/>
+              <a:t>　　　　　　　</a:t>
+            </a:r>
+            <a:r>
+              <a:rPr lang="en-US" altLang="ja-JP" sz="2000" dirty="0" smtClean="0"/>
+              <a:t>GitHub</a:t>
+            </a:r>
+            <a:r>
+              <a:rPr lang="ja-JP" altLang="en-US" sz="2000" dirty="0" smtClean="0"/>
+              <a:t>上での</a:t>
+            </a:r>
+            <a:r>
+              <a:rPr lang="en-US" altLang="ja-JP" sz="2000" dirty="0" smtClean="0"/>
+              <a:t>MOD</a:t>
+            </a:r>
+            <a:r>
+              <a:rPr lang="ja-JP" altLang="en-US" sz="2000" dirty="0" smtClean="0"/>
+              <a:t>プロジェクト数</a:t>
+            </a:r>
+            <a:endParaRPr kumimoji="1" lang="ja-JP" altLang="en-US" sz="2000" dirty="0"/>
+          </a:p>
+        </p:txBody>
+      </p:sp>
+      <p:sp>
+        <p:nvSpPr>
+          <p:cNvPr id="12" name="テキスト ボックス 11"/>
+          <p:cNvSpPr txBox="1"/>
+          <p:nvPr/>
+        </p:nvSpPr>
+        <p:spPr>
+          <a:xfrm>
+            <a:off x="12912166" y="22988859"/>
+            <a:ext cx="6194324" cy="461665"/>
+          </a:xfrm>
+          <a:prstGeom prst="rect">
+            <a:avLst/>
+          </a:prstGeom>
+          <a:noFill/>
+        </p:spPr>
+        <p:txBody>
+          <a:bodyPr wrap="none" rtlCol="0">
+            <a:spAutoFit/>
+          </a:bodyPr>
+          <a:lstStyle/>
+          <a:p>
+            <a:r>
+              <a:rPr kumimoji="1" lang="ja-JP" altLang="en-US" sz="2400" dirty="0" smtClean="0"/>
+              <a:t>これらのグラフを元に仮説の検証・考察を行う。</a:t>
+            </a:r>
+            <a:endParaRPr kumimoji="1" lang="ja-JP" altLang="en-US" sz="2400" dirty="0"/>
           </a:p>
         </p:txBody>
       </p:sp>

--- a/卒業論文/2013/赤松佳紀/ポスター.pptx
+++ b/卒業論文/2013/赤松佳紀/ポスター.pptx
@@ -485,11 +485,11 @@
         </c:dLbls>
         <c:marker val="1"/>
         <c:smooth val="0"/>
-        <c:axId val="91742976"/>
-        <c:axId val="91744512"/>
+        <c:axId val="87802624"/>
+        <c:axId val="87804160"/>
       </c:lineChart>
       <c:dateAx>
-        <c:axId val="91742976"/>
+        <c:axId val="87802624"/>
         <c:scaling>
           <c:orientation val="minMax"/>
         </c:scaling>
@@ -499,14 +499,14 @@
         <c:majorTickMark val="out"/>
         <c:minorTickMark val="none"/>
         <c:tickLblPos val="nextTo"/>
-        <c:crossAx val="91744512"/>
+        <c:crossAx val="87804160"/>
         <c:crosses val="autoZero"/>
         <c:auto val="1"/>
         <c:lblOffset val="100"/>
         <c:baseTimeUnit val="months"/>
       </c:dateAx>
       <c:valAx>
-        <c:axId val="91744512"/>
+        <c:axId val="87804160"/>
         <c:scaling>
           <c:orientation val="minMax"/>
         </c:scaling>
@@ -517,7 +517,7 @@
         <c:majorTickMark val="out"/>
         <c:minorTickMark val="none"/>
         <c:tickLblPos val="nextTo"/>
-        <c:crossAx val="91742976"/>
+        <c:crossAx val="87802624"/>
         <c:crosses val="autoZero"/>
         <c:crossBetween val="between"/>
       </c:valAx>
@@ -952,11 +952,11 @@
         </c:dLbls>
         <c:marker val="1"/>
         <c:smooth val="0"/>
-        <c:axId val="94308608"/>
-        <c:axId val="94314496"/>
+        <c:axId val="89192704"/>
+        <c:axId val="90382336"/>
       </c:lineChart>
       <c:dateAx>
-        <c:axId val="94308608"/>
+        <c:axId val="89192704"/>
         <c:scaling>
           <c:orientation val="minMax"/>
         </c:scaling>
@@ -966,14 +966,14 @@
         <c:majorTickMark val="out"/>
         <c:minorTickMark val="none"/>
         <c:tickLblPos val="nextTo"/>
-        <c:crossAx val="94314496"/>
+        <c:crossAx val="90382336"/>
         <c:crosses val="autoZero"/>
         <c:auto val="1"/>
         <c:lblOffset val="100"/>
         <c:baseTimeUnit val="months"/>
       </c:dateAx>
       <c:valAx>
-        <c:axId val="94314496"/>
+        <c:axId val="90382336"/>
         <c:scaling>
           <c:orientation val="minMax"/>
         </c:scaling>
@@ -984,7 +984,7 @@
         <c:majorTickMark val="out"/>
         <c:minorTickMark val="none"/>
         <c:tickLblPos val="nextTo"/>
-        <c:crossAx val="94308608"/>
+        <c:crossAx val="89192704"/>
         <c:crosses val="autoZero"/>
         <c:crossBetween val="between"/>
       </c:valAx>
@@ -15828,7 +15828,7 @@
         </p:nvSpPr>
         <p:spPr>
           <a:xfrm>
-            <a:off x="309018" y="4266779"/>
+            <a:off x="192446" y="4286912"/>
             <a:ext cx="3312367" cy="1152127"/>
           </a:xfrm>
           <a:prstGeom prst="snip2DiagRect">
@@ -16119,11 +16119,7 @@
             </a:r>
             <a:r>
               <a:rPr lang="ja-JP" altLang="en-US" sz="3600" dirty="0" smtClean="0"/>
-              <a:t>を獲得するという</a:t>
-            </a:r>
-            <a:r>
-              <a:rPr lang="ja-JP" altLang="en-US" sz="3600" dirty="0" smtClean="0"/>
-              <a:t>戦略は成功している。」</a:t>
+              <a:t>を獲得するという戦略は成功している。」</a:t>
             </a:r>
             <a:endParaRPr lang="ja-JP" altLang="en-US" sz="3600" dirty="0"/>
           </a:p>
@@ -16166,7 +16162,7 @@
         </p:nvSpPr>
         <p:spPr>
           <a:xfrm>
-            <a:off x="17053385" y="14296205"/>
+            <a:off x="17075203" y="14203882"/>
             <a:ext cx="2031287" cy="830975"/>
           </a:xfrm>
           <a:prstGeom prst="rect">
@@ -16195,7 +16191,7 @@
         </p:nvSpPr>
         <p:spPr>
           <a:xfrm>
-            <a:off x="10248" y="15428019"/>
+            <a:off x="192446" y="15385883"/>
             <a:ext cx="3679416" cy="1080118"/>
           </a:xfrm>
           <a:prstGeom prst="snip2DiagRect">
@@ -16350,7 +16346,7 @@
         </p:nvSpPr>
         <p:spPr>
           <a:xfrm>
-            <a:off x="263601" y="19676487"/>
+            <a:off x="191706" y="19532475"/>
             <a:ext cx="3373920" cy="1008114"/>
           </a:xfrm>
           <a:prstGeom prst="snip2DiagRect">
@@ -16420,13 +16416,13 @@
           <p:nvPr>
             <p:extLst>
               <p:ext uri="{D42A27DB-BD31-4B8C-83A1-F6EECF244321}">
-                <p14:modId xmlns:p14="http://schemas.microsoft.com/office/powerpoint/2010/main" val="4193803227"/>
+                <p14:modId xmlns:p14="http://schemas.microsoft.com/office/powerpoint/2010/main" val="2973344265"/>
               </p:ext>
             </p:extLst>
           </p:nvPr>
         </p:nvGraphicFramePr>
         <p:xfrm>
-          <a:off x="263601" y="21237191"/>
+          <a:off x="560635" y="21116651"/>
           <a:ext cx="5515687" cy="2232250"/>
         </p:xfrm>
         <a:graphic>
@@ -16444,13 +16440,13 @@
           <p:nvPr>
             <p:extLst>
               <p:ext uri="{D42A27DB-BD31-4B8C-83A1-F6EECF244321}">
-                <p14:modId xmlns:p14="http://schemas.microsoft.com/office/powerpoint/2010/main" val="1416825094"/>
+                <p14:modId xmlns:p14="http://schemas.microsoft.com/office/powerpoint/2010/main" val="1811350087"/>
               </p:ext>
             </p:extLst>
           </p:nvPr>
         </p:nvGraphicFramePr>
         <p:xfrm>
-          <a:off x="6727190" y="20699465"/>
+          <a:off x="6704862" y="20646383"/>
           <a:ext cx="5948817" cy="3168350"/>
         </p:xfrm>
         <a:graphic>
@@ -16467,7 +16463,7 @@
         </p:nvSpPr>
         <p:spPr>
           <a:xfrm>
-            <a:off x="466940" y="24068979"/>
+            <a:off x="191706" y="24627250"/>
             <a:ext cx="3618715" cy="1008114"/>
           </a:xfrm>
           <a:prstGeom prst="snip2DiagRect">
@@ -17336,8 +17332,8 @@
         </p:nvSpPr>
         <p:spPr>
           <a:xfrm>
-            <a:off x="12853639" y="21188659"/>
-            <a:ext cx="6082114" cy="400110"/>
+            <a:off x="917205" y="23814733"/>
+            <a:ext cx="4783682" cy="400110"/>
           </a:xfrm>
           <a:prstGeom prst="rect">
             <a:avLst/>
@@ -17351,10 +17347,6 @@
           <a:lstStyle/>
           <a:p>
             <a:r>
-              <a:rPr kumimoji="1" lang="ja-JP" altLang="en-US" sz="2000" dirty="0" smtClean="0"/>
-              <a:t>左グラフ・・・</a:t>
-            </a:r>
-            <a:r>
               <a:rPr kumimoji="1" lang="en-US" altLang="ja-JP" sz="2000" dirty="0" smtClean="0"/>
               <a:t>Minecraft</a:t>
             </a:r>
@@ -17374,8 +17366,8 @@
         </p:nvSpPr>
         <p:spPr>
           <a:xfrm>
-            <a:off x="12832590" y="21770458"/>
-            <a:ext cx="6748963" cy="707886"/>
+            <a:off x="6457413" y="23814733"/>
+            <a:ext cx="8983550" cy="400110"/>
           </a:xfrm>
           <a:prstGeom prst="rect">
             <a:avLst/>
@@ -17389,27 +17381,16 @@
           <a:lstStyle/>
           <a:p>
             <a:r>
-              <a:rPr kumimoji="1" lang="ja-JP" altLang="en-US" sz="2000" dirty="0" smtClean="0"/>
-              <a:t>右グラフ・・・</a:t>
-            </a:r>
-            <a:r>
               <a:rPr kumimoji="1" lang="en-US" altLang="ja-JP" sz="2000" dirty="0" smtClean="0"/>
               <a:t>Minecraft</a:t>
             </a:r>
             <a:r>
               <a:rPr kumimoji="1" lang="ja-JP" altLang="en-US" sz="2000" dirty="0" smtClean="0"/>
-              <a:t>が販売されてからこれまでに開始された</a:t>
-            </a:r>
-            <a:endParaRPr kumimoji="1" lang="en-US" altLang="ja-JP" sz="2000" dirty="0" smtClean="0"/>
-          </a:p>
-          <a:p>
-            <a:r>
-              <a:rPr lang="ja-JP" altLang="en-US" sz="2000" dirty="0"/>
-              <a:t>　</a:t>
-            </a:r>
-            <a:r>
-              <a:rPr lang="ja-JP" altLang="en-US" sz="2000" dirty="0" smtClean="0"/>
-              <a:t>　　　　　　　</a:t>
+              <a:t>が販売されてからこれまでに開始</a:t>
+            </a:r>
+            <a:r>
+              <a:rPr kumimoji="1" lang="ja-JP" altLang="en-US" sz="2000" dirty="0" smtClean="0"/>
+              <a:t>された</a:t>
             </a:r>
             <a:r>
               <a:rPr lang="en-US" altLang="ja-JP" sz="2000" dirty="0" smtClean="0"/>
@@ -17439,7 +17420,7 @@
         </p:nvSpPr>
         <p:spPr>
           <a:xfrm>
-            <a:off x="12912166" y="22988859"/>
+            <a:off x="14466051" y="22007778"/>
             <a:ext cx="6194324" cy="461665"/>
           </a:xfrm>
           <a:prstGeom prst="rect">

--- a/卒業論文/2013/赤松佳紀/ポスター.pptx
+++ b/卒業論文/2013/赤松佳紀/ポスター.pptx
@@ -522,20 +522,6 @@
         <c:crossBetween val="between"/>
       </c:valAx>
     </c:plotArea>
-    <c:legend>
-      <c:legendPos val="r"/>
-      <c:layout>
-        <c:manualLayout>
-          <c:xMode val="edge"/>
-          <c:yMode val="edge"/>
-          <c:x val="0.82678815839405784"/>
-          <c:y val="0.48546980443033211"/>
-          <c:w val="0.16238162444729651"/>
-          <c:h val="0.15408368604205266"/>
-        </c:manualLayout>
-      </c:layout>
-      <c:overlay val="0"/>
-    </c:legend>
     <c:plotVisOnly val="1"/>
     <c:dispBlanksAs val="gap"/>
     <c:showDLblsOverMax val="0"/>
@@ -989,20 +975,6 @@
         <c:crossBetween val="between"/>
       </c:valAx>
     </c:plotArea>
-    <c:legend>
-      <c:legendPos val="r"/>
-      <c:layout>
-        <c:manualLayout>
-          <c:xMode val="edge"/>
-          <c:yMode val="edge"/>
-          <c:x val="0.71223148437557116"/>
-          <c:y val="0.40300591600933228"/>
-          <c:w val="0.26221288795250836"/>
-          <c:h val="0.12257492223086323"/>
-        </c:manualLayout>
-      </c:layout>
-      <c:overlay val="0"/>
-    </c:legend>
     <c:plotVisOnly val="1"/>
     <c:dispBlanksAs val="gap"/>
     <c:showDLblsOverMax val="0"/>
@@ -15828,7 +15800,7 @@
         </p:nvSpPr>
         <p:spPr>
           <a:xfrm>
-            <a:off x="192446" y="4286912"/>
+            <a:off x="191706" y="4286912"/>
             <a:ext cx="3312367" cy="1152127"/>
           </a:xfrm>
           <a:prstGeom prst="snip2DiagRect">
@@ -16018,7 +15990,7 @@
         </p:nvSpPr>
         <p:spPr>
           <a:xfrm>
-            <a:off x="192446" y="12840145"/>
+            <a:off x="191706" y="12840145"/>
             <a:ext cx="3330840" cy="1152127"/>
           </a:xfrm>
           <a:prstGeom prst="snip2DiagRect">
@@ -16087,7 +16059,7 @@
         </p:nvSpPr>
         <p:spPr>
           <a:xfrm>
-            <a:off x="1945401" y="14318300"/>
+            <a:off x="1945401" y="14296216"/>
             <a:ext cx="14964315" cy="646309"/>
           </a:xfrm>
           <a:prstGeom prst="rect">
@@ -16162,7 +16134,7 @@
         </p:nvSpPr>
         <p:spPr>
           <a:xfrm>
-            <a:off x="17075203" y="14203882"/>
+            <a:off x="17075203" y="14203883"/>
             <a:ext cx="2031287" cy="830975"/>
           </a:xfrm>
           <a:prstGeom prst="rect">
@@ -16191,7 +16163,7 @@
         </p:nvSpPr>
         <p:spPr>
           <a:xfrm>
-            <a:off x="192446" y="15385883"/>
+            <a:off x="191706" y="15385883"/>
             <a:ext cx="3679416" cy="1080118"/>
           </a:xfrm>
           <a:prstGeom prst="snip2DiagRect">
@@ -16416,7 +16388,7 @@
           <p:nvPr>
             <p:extLst>
               <p:ext uri="{D42A27DB-BD31-4B8C-83A1-F6EECF244321}">
-                <p14:modId xmlns:p14="http://schemas.microsoft.com/office/powerpoint/2010/main" val="2973344265"/>
+                <p14:modId xmlns:p14="http://schemas.microsoft.com/office/powerpoint/2010/main" val="1349274408"/>
               </p:ext>
             </p:extLst>
           </p:nvPr>
@@ -16440,7 +16412,7 @@
           <p:nvPr>
             <p:extLst>
               <p:ext uri="{D42A27DB-BD31-4B8C-83A1-F6EECF244321}">
-                <p14:modId xmlns:p14="http://schemas.microsoft.com/office/powerpoint/2010/main" val="1811350087"/>
+                <p14:modId xmlns:p14="http://schemas.microsoft.com/office/powerpoint/2010/main" val="973919596"/>
               </p:ext>
             </p:extLst>
           </p:nvPr>
@@ -17298,8 +17270,8 @@
         </p:nvSpPr>
         <p:spPr>
           <a:xfrm>
-            <a:off x="2831161" y="11827619"/>
-            <a:ext cx="15953406" cy="984885"/>
+            <a:off x="1524763" y="11791751"/>
+            <a:ext cx="18716983" cy="984885"/>
           </a:xfrm>
           <a:prstGeom prst="rect">
             <a:avLst/>
@@ -17318,7 +17290,15 @@
             </a:r>
             <a:r>
               <a:rPr kumimoji="1" lang="ja-JP" altLang="en-US" dirty="0" smtClean="0"/>
-              <a:t>を使ったゲームビジネス戦略の仮説を立てる。</a:t>
+              <a:t>を使ったゲームビジネス</a:t>
+            </a:r>
+            <a:r>
+              <a:rPr kumimoji="1" lang="ja-JP" altLang="en-US" dirty="0" smtClean="0"/>
+              <a:t>戦略についての</a:t>
+            </a:r>
+            <a:r>
+              <a:rPr kumimoji="1" lang="ja-JP" altLang="en-US" dirty="0" smtClean="0"/>
+              <a:t>仮説を立てる。</a:t>
             </a:r>
             <a:endParaRPr kumimoji="1" lang="ja-JP" altLang="en-US" dirty="0"/>
           </a:p>
